--- a/Housing Trends_GK.pptx
+++ b/Housing Trends_GK.pptx
@@ -307,7 +307,7 @@
           <a:p>
             <a:fld id="{3F2912A6-9505-4C94-BCDB-495CA5B0D52E}" type="datetimeFigureOut">
               <a:rPr lang="en-US" smtClean="0"/>
-              <a:t>7/26/2023</a:t>
+              <a:t>7/27/2023</a:t>
             </a:fld>
             <a:endParaRPr lang="en-US"/>
           </a:p>
@@ -582,7 +582,7 @@
           <a:p>
             <a:fld id="{3F2912A6-9505-4C94-BCDB-495CA5B0D52E}" type="datetimeFigureOut">
               <a:rPr lang="en-US" smtClean="0"/>
-              <a:t>7/26/2023</a:t>
+              <a:t>7/27/2023</a:t>
             </a:fld>
             <a:endParaRPr lang="en-US"/>
           </a:p>
@@ -776,7 +776,7 @@
           <a:p>
             <a:fld id="{3F2912A6-9505-4C94-BCDB-495CA5B0D52E}" type="datetimeFigureOut">
               <a:rPr lang="en-US" smtClean="0"/>
-              <a:t>7/26/2023</a:t>
+              <a:t>7/27/2023</a:t>
             </a:fld>
             <a:endParaRPr lang="en-US"/>
           </a:p>
@@ -1049,7 +1049,7 @@
           <a:p>
             <a:fld id="{3F2912A6-9505-4C94-BCDB-495CA5B0D52E}" type="datetimeFigureOut">
               <a:rPr lang="en-US" smtClean="0"/>
-              <a:t>7/26/2023</a:t>
+              <a:t>7/27/2023</a:t>
             </a:fld>
             <a:endParaRPr lang="en-US"/>
           </a:p>
@@ -1390,7 +1390,7 @@
           <a:p>
             <a:fld id="{3F2912A6-9505-4C94-BCDB-495CA5B0D52E}" type="datetimeFigureOut">
               <a:rPr lang="en-US" smtClean="0"/>
-              <a:t>7/26/2023</a:t>
+              <a:t>7/27/2023</a:t>
             </a:fld>
             <a:endParaRPr lang="en-US"/>
           </a:p>
@@ -2013,7 +2013,7 @@
           <a:p>
             <a:fld id="{3F2912A6-9505-4C94-BCDB-495CA5B0D52E}" type="datetimeFigureOut">
               <a:rPr lang="en-US" smtClean="0"/>
-              <a:t>7/26/2023</a:t>
+              <a:t>7/27/2023</a:t>
             </a:fld>
             <a:endParaRPr lang="en-US"/>
           </a:p>
@@ -2873,7 +2873,7 @@
           <a:p>
             <a:fld id="{3F2912A6-9505-4C94-BCDB-495CA5B0D52E}" type="datetimeFigureOut">
               <a:rPr lang="en-US" smtClean="0"/>
-              <a:t>7/26/2023</a:t>
+              <a:t>7/27/2023</a:t>
             </a:fld>
             <a:endParaRPr lang="en-US"/>
           </a:p>
@@ -3043,7 +3043,7 @@
           <a:p>
             <a:fld id="{3F2912A6-9505-4C94-BCDB-495CA5B0D52E}" type="datetimeFigureOut">
               <a:rPr lang="en-US" smtClean="0"/>
-              <a:t>7/26/2023</a:t>
+              <a:t>7/27/2023</a:t>
             </a:fld>
             <a:endParaRPr lang="en-US"/>
           </a:p>
@@ -3223,7 +3223,7 @@
           <a:p>
             <a:fld id="{3F2912A6-9505-4C94-BCDB-495CA5B0D52E}" type="datetimeFigureOut">
               <a:rPr lang="en-US" smtClean="0"/>
-              <a:t>7/26/2023</a:t>
+              <a:t>7/27/2023</a:t>
             </a:fld>
             <a:endParaRPr lang="en-US"/>
           </a:p>
@@ -3393,7 +3393,7 @@
           <a:p>
             <a:fld id="{3F2912A6-9505-4C94-BCDB-495CA5B0D52E}" type="datetimeFigureOut">
               <a:rPr lang="en-US" smtClean="0"/>
-              <a:t>7/26/2023</a:t>
+              <a:t>7/27/2023</a:t>
             </a:fld>
             <a:endParaRPr lang="en-US"/>
           </a:p>
@@ -3640,7 +3640,7 @@
           <a:p>
             <a:fld id="{3F2912A6-9505-4C94-BCDB-495CA5B0D52E}" type="datetimeFigureOut">
               <a:rPr lang="en-US" smtClean="0"/>
-              <a:t>7/26/2023</a:t>
+              <a:t>7/27/2023</a:t>
             </a:fld>
             <a:endParaRPr lang="en-US"/>
           </a:p>
@@ -3932,7 +3932,7 @@
           <a:p>
             <a:fld id="{3F2912A6-9505-4C94-BCDB-495CA5B0D52E}" type="datetimeFigureOut">
               <a:rPr lang="en-US" smtClean="0"/>
-              <a:t>7/26/2023</a:t>
+              <a:t>7/27/2023</a:t>
             </a:fld>
             <a:endParaRPr lang="en-US"/>
           </a:p>
@@ -4376,7 +4376,7 @@
           <a:p>
             <a:fld id="{3F2912A6-9505-4C94-BCDB-495CA5B0D52E}" type="datetimeFigureOut">
               <a:rPr lang="en-US" smtClean="0"/>
-              <a:t>7/26/2023</a:t>
+              <a:t>7/27/2023</a:t>
             </a:fld>
             <a:endParaRPr lang="en-US"/>
           </a:p>
@@ -4494,7 +4494,7 @@
           <a:p>
             <a:fld id="{3F2912A6-9505-4C94-BCDB-495CA5B0D52E}" type="datetimeFigureOut">
               <a:rPr lang="en-US" smtClean="0"/>
-              <a:t>7/26/2023</a:t>
+              <a:t>7/27/2023</a:t>
             </a:fld>
             <a:endParaRPr lang="en-US"/>
           </a:p>
@@ -4589,7 +4589,7 @@
           <a:p>
             <a:fld id="{3F2912A6-9505-4C94-BCDB-495CA5B0D52E}" type="datetimeFigureOut">
               <a:rPr lang="en-US" smtClean="0"/>
-              <a:t>7/26/2023</a:t>
+              <a:t>7/27/2023</a:t>
             </a:fld>
             <a:endParaRPr lang="en-US"/>
           </a:p>
@@ -4868,7 +4868,7 @@
           <a:p>
             <a:fld id="{3F2912A6-9505-4C94-BCDB-495CA5B0D52E}" type="datetimeFigureOut">
               <a:rPr lang="en-US" smtClean="0"/>
-              <a:t>7/26/2023</a:t>
+              <a:t>7/27/2023</a:t>
             </a:fld>
             <a:endParaRPr lang="en-US"/>
           </a:p>
@@ -5143,7 +5143,7 @@
           <a:p>
             <a:fld id="{3F2912A6-9505-4C94-BCDB-495CA5B0D52E}" type="datetimeFigureOut">
               <a:rPr lang="en-US" smtClean="0"/>
-              <a:t>7/26/2023</a:t>
+              <a:t>7/27/2023</a:t>
             </a:fld>
             <a:endParaRPr lang="en-US"/>
           </a:p>
@@ -5572,7 +5572,7 @@
           <a:p>
             <a:fld id="{3F2912A6-9505-4C94-BCDB-495CA5B0D52E}" type="datetimeFigureOut">
               <a:rPr lang="en-US" smtClean="0"/>
-              <a:t>7/26/2023</a:t>
+              <a:t>7/27/2023</a:t>
             </a:fld>
             <a:endParaRPr lang="en-US"/>
           </a:p>
@@ -6353,10 +6353,10 @@
       </p:sp>
       <p:pic>
         <p:nvPicPr>
-          <p:cNvPr id="2050" name="Picture 2">
+          <p:cNvPr id="1026" name="Picture 2">
             <a:extLst>
               <a:ext uri="{FF2B5EF4-FFF2-40B4-BE49-F238E27FC236}">
-                <a16:creationId xmlns:a16="http://schemas.microsoft.com/office/drawing/2014/main" id="{2C4A18C5-F2BB-08EF-5C3A-C86A62044E01}"/>
+                <a16:creationId xmlns:a16="http://schemas.microsoft.com/office/drawing/2014/main" id="{8A670187-9043-604D-F79B-8BE62939411B}"/>
               </a:ext>
             </a:extLst>
           </p:cNvPr>
@@ -6380,7 +6380,7 @@
         </p:blipFill>
         <p:spPr bwMode="auto">
           <a:xfrm>
-            <a:off x="5740212" y="1325563"/>
+            <a:off x="5885365" y="1190625"/>
             <a:ext cx="6000750" cy="4476750"/>
           </a:xfrm>
           <a:prstGeom prst="rect">
@@ -6389,7 +6389,7 @@
           <a:noFill/>
           <a:ln>
             <a:solidFill>
-              <a:schemeClr val="tx1"/>
+              <a:srgbClr val="B01513"/>
             </a:solidFill>
           </a:ln>
           <a:extLst>

--- a/Housing Trends_GK.pptx
+++ b/Housing Trends_GK.pptx
@@ -15,6 +15,8 @@
     <p:sldId id="264" r:id="rId9"/>
     <p:sldId id="265" r:id="rId10"/>
     <p:sldId id="266" r:id="rId11"/>
+    <p:sldId id="267" r:id="rId12"/>
+    <p:sldId id="269" r:id="rId13"/>
   </p:sldIdLst>
   <p:sldSz cx="12192000" cy="6858000"/>
   <p:notesSz cx="6858000" cy="9144000"/>
@@ -307,7 +309,7 @@
           <a:p>
             <a:fld id="{3F2912A6-9505-4C94-BCDB-495CA5B0D52E}" type="datetimeFigureOut">
               <a:rPr lang="en-US" smtClean="0"/>
-              <a:t>7/27/2023</a:t>
+              <a:t>7/31/2023</a:t>
             </a:fld>
             <a:endParaRPr lang="en-US"/>
           </a:p>
@@ -582,7 +584,7 @@
           <a:p>
             <a:fld id="{3F2912A6-9505-4C94-BCDB-495CA5B0D52E}" type="datetimeFigureOut">
               <a:rPr lang="en-US" smtClean="0"/>
-              <a:t>7/27/2023</a:t>
+              <a:t>7/31/2023</a:t>
             </a:fld>
             <a:endParaRPr lang="en-US"/>
           </a:p>
@@ -776,7 +778,7 @@
           <a:p>
             <a:fld id="{3F2912A6-9505-4C94-BCDB-495CA5B0D52E}" type="datetimeFigureOut">
               <a:rPr lang="en-US" smtClean="0"/>
-              <a:t>7/27/2023</a:t>
+              <a:t>7/31/2023</a:t>
             </a:fld>
             <a:endParaRPr lang="en-US"/>
           </a:p>
@@ -1049,7 +1051,7 @@
           <a:p>
             <a:fld id="{3F2912A6-9505-4C94-BCDB-495CA5B0D52E}" type="datetimeFigureOut">
               <a:rPr lang="en-US" smtClean="0"/>
-              <a:t>7/27/2023</a:t>
+              <a:t>7/31/2023</a:t>
             </a:fld>
             <a:endParaRPr lang="en-US"/>
           </a:p>
@@ -1390,7 +1392,7 @@
           <a:p>
             <a:fld id="{3F2912A6-9505-4C94-BCDB-495CA5B0D52E}" type="datetimeFigureOut">
               <a:rPr lang="en-US" smtClean="0"/>
-              <a:t>7/27/2023</a:t>
+              <a:t>7/31/2023</a:t>
             </a:fld>
             <a:endParaRPr lang="en-US"/>
           </a:p>
@@ -2013,7 +2015,7 @@
           <a:p>
             <a:fld id="{3F2912A6-9505-4C94-BCDB-495CA5B0D52E}" type="datetimeFigureOut">
               <a:rPr lang="en-US" smtClean="0"/>
-              <a:t>7/27/2023</a:t>
+              <a:t>7/31/2023</a:t>
             </a:fld>
             <a:endParaRPr lang="en-US"/>
           </a:p>
@@ -2873,7 +2875,7 @@
           <a:p>
             <a:fld id="{3F2912A6-9505-4C94-BCDB-495CA5B0D52E}" type="datetimeFigureOut">
               <a:rPr lang="en-US" smtClean="0"/>
-              <a:t>7/27/2023</a:t>
+              <a:t>7/31/2023</a:t>
             </a:fld>
             <a:endParaRPr lang="en-US"/>
           </a:p>
@@ -3043,7 +3045,7 @@
           <a:p>
             <a:fld id="{3F2912A6-9505-4C94-BCDB-495CA5B0D52E}" type="datetimeFigureOut">
               <a:rPr lang="en-US" smtClean="0"/>
-              <a:t>7/27/2023</a:t>
+              <a:t>7/31/2023</a:t>
             </a:fld>
             <a:endParaRPr lang="en-US"/>
           </a:p>
@@ -3223,7 +3225,7 @@
           <a:p>
             <a:fld id="{3F2912A6-9505-4C94-BCDB-495CA5B0D52E}" type="datetimeFigureOut">
               <a:rPr lang="en-US" smtClean="0"/>
-              <a:t>7/27/2023</a:t>
+              <a:t>7/31/2023</a:t>
             </a:fld>
             <a:endParaRPr lang="en-US"/>
           </a:p>
@@ -3393,7 +3395,7 @@
           <a:p>
             <a:fld id="{3F2912A6-9505-4C94-BCDB-495CA5B0D52E}" type="datetimeFigureOut">
               <a:rPr lang="en-US" smtClean="0"/>
-              <a:t>7/27/2023</a:t>
+              <a:t>7/31/2023</a:t>
             </a:fld>
             <a:endParaRPr lang="en-US"/>
           </a:p>
@@ -3640,7 +3642,7 @@
           <a:p>
             <a:fld id="{3F2912A6-9505-4C94-BCDB-495CA5B0D52E}" type="datetimeFigureOut">
               <a:rPr lang="en-US" smtClean="0"/>
-              <a:t>7/27/2023</a:t>
+              <a:t>7/31/2023</a:t>
             </a:fld>
             <a:endParaRPr lang="en-US"/>
           </a:p>
@@ -3932,7 +3934,7 @@
           <a:p>
             <a:fld id="{3F2912A6-9505-4C94-BCDB-495CA5B0D52E}" type="datetimeFigureOut">
               <a:rPr lang="en-US" smtClean="0"/>
-              <a:t>7/27/2023</a:t>
+              <a:t>7/31/2023</a:t>
             </a:fld>
             <a:endParaRPr lang="en-US"/>
           </a:p>
@@ -4376,7 +4378,7 @@
           <a:p>
             <a:fld id="{3F2912A6-9505-4C94-BCDB-495CA5B0D52E}" type="datetimeFigureOut">
               <a:rPr lang="en-US" smtClean="0"/>
-              <a:t>7/27/2023</a:t>
+              <a:t>7/31/2023</a:t>
             </a:fld>
             <a:endParaRPr lang="en-US"/>
           </a:p>
@@ -4494,7 +4496,7 @@
           <a:p>
             <a:fld id="{3F2912A6-9505-4C94-BCDB-495CA5B0D52E}" type="datetimeFigureOut">
               <a:rPr lang="en-US" smtClean="0"/>
-              <a:t>7/27/2023</a:t>
+              <a:t>7/31/2023</a:t>
             </a:fld>
             <a:endParaRPr lang="en-US"/>
           </a:p>
@@ -4589,7 +4591,7 @@
           <a:p>
             <a:fld id="{3F2912A6-9505-4C94-BCDB-495CA5B0D52E}" type="datetimeFigureOut">
               <a:rPr lang="en-US" smtClean="0"/>
-              <a:t>7/27/2023</a:t>
+              <a:t>7/31/2023</a:t>
             </a:fld>
             <a:endParaRPr lang="en-US"/>
           </a:p>
@@ -4868,7 +4870,7 @@
           <a:p>
             <a:fld id="{3F2912A6-9505-4C94-BCDB-495CA5B0D52E}" type="datetimeFigureOut">
               <a:rPr lang="en-US" smtClean="0"/>
-              <a:t>7/27/2023</a:t>
+              <a:t>7/31/2023</a:t>
             </a:fld>
             <a:endParaRPr lang="en-US"/>
           </a:p>
@@ -5143,7 +5145,7 @@
           <a:p>
             <a:fld id="{3F2912A6-9505-4C94-BCDB-495CA5B0D52E}" type="datetimeFigureOut">
               <a:rPr lang="en-US" smtClean="0"/>
-              <a:t>7/27/2023</a:t>
+              <a:t>7/31/2023</a:t>
             </a:fld>
             <a:endParaRPr lang="en-US"/>
           </a:p>
@@ -5572,7 +5574,7 @@
           <a:p>
             <a:fld id="{3F2912A6-9505-4C94-BCDB-495CA5B0D52E}" type="datetimeFigureOut">
               <a:rPr lang="en-US" smtClean="0"/>
-              <a:t>7/27/2023</a:t>
+              <a:t>7/31/2023</a:t>
             </a:fld>
             <a:endParaRPr lang="en-US"/>
           </a:p>
@@ -6416,6 +6418,1631 @@
 </p:sld>
 </file>
 
+<file path=ppt/slides/slide11.xml><?xml version="1.0" encoding="utf-8"?>
+<p:sld xmlns:a="http://schemas.openxmlformats.org/drawingml/2006/main" xmlns:r="http://schemas.openxmlformats.org/officeDocument/2006/relationships" xmlns:p="http://schemas.openxmlformats.org/presentationml/2006/main">
+  <p:cSld>
+    <p:bg>
+      <p:bgPr>
+        <a:blipFill rotWithShape="1">
+          <a:blip r:embed="rId2">
+            <a:duotone>
+              <a:schemeClr val="bg2">
+                <a:shade val="69000"/>
+                <a:hueMod val="108000"/>
+                <a:satMod val="164000"/>
+                <a:lumMod val="74000"/>
+              </a:schemeClr>
+              <a:schemeClr val="bg2">
+                <a:tint val="96000"/>
+                <a:hueMod val="88000"/>
+                <a:satMod val="140000"/>
+                <a:lumMod val="132000"/>
+              </a:schemeClr>
+            </a:duotone>
+          </a:blip>
+          <a:stretch/>
+        </a:blipFill>
+        <a:effectLst/>
+      </p:bgPr>
+    </p:bg>
+    <p:spTree>
+      <p:nvGrpSpPr>
+        <p:cNvPr id="1" name=""/>
+        <p:cNvGrpSpPr/>
+        <p:nvPr/>
+      </p:nvGrpSpPr>
+      <p:grpSpPr>
+        <a:xfrm>
+          <a:off x="0" y="0"/>
+          <a:ext cx="0" cy="0"/>
+          <a:chOff x="0" y="0"/>
+          <a:chExt cx="0" cy="0"/>
+        </a:xfrm>
+      </p:grpSpPr>
+      <p:sp>
+        <p:nvSpPr>
+          <p:cNvPr id="2" name="Title 1">
+            <a:extLst>
+              <a:ext uri="{FF2B5EF4-FFF2-40B4-BE49-F238E27FC236}">
+                <a16:creationId xmlns:a16="http://schemas.microsoft.com/office/drawing/2014/main" id="{370DF041-08A6-7340-135A-184BB9649F4D}"/>
+              </a:ext>
+            </a:extLst>
+          </p:cNvPr>
+          <p:cNvSpPr>
+            <a:spLocks noGrp="1"/>
+          </p:cNvSpPr>
+          <p:nvPr>
+            <p:ph type="title"/>
+          </p:nvPr>
+        </p:nvSpPr>
+        <p:spPr>
+          <a:xfrm>
+            <a:off x="646112" y="4212709"/>
+            <a:ext cx="9164206" cy="831400"/>
+          </a:xfrm>
+        </p:spPr>
+        <p:txBody>
+          <a:bodyPr vert="horz" lIns="91440" tIns="45720" rIns="91440" bIns="45720" rtlCol="0">
+            <a:normAutofit/>
+          </a:bodyPr>
+          <a:lstStyle/>
+          <a:p>
+            <a:pPr>
+              <a:lnSpc>
+                <a:spcPct val="90000"/>
+              </a:lnSpc>
+            </a:pPr>
+            <a:r>
+              <a:rPr lang="en-US" sz="3100" b="0" i="0" kern="1200">
+                <a:latin typeface="+mj-lt"/>
+                <a:ea typeface="+mj-ea"/>
+                <a:cs typeface="+mj-cs"/>
+              </a:rPr>
+              <a:t>Total Home sale before and after Pandemic </a:t>
+            </a:r>
+          </a:p>
+        </p:txBody>
+      </p:sp>
+      <p:pic>
+        <p:nvPicPr>
+          <p:cNvPr id="5" name="Content Placeholder 4" descr="A graph of different colored lines&#10;&#10;Description automatically generated">
+            <a:extLst>
+              <a:ext uri="{FF2B5EF4-FFF2-40B4-BE49-F238E27FC236}">
+                <a16:creationId xmlns:a16="http://schemas.microsoft.com/office/drawing/2014/main" id="{CA00528B-9D38-8545-A363-268E99AE5635}"/>
+              </a:ext>
+            </a:extLst>
+          </p:cNvPr>
+          <p:cNvPicPr>
+            <a:picLocks noChangeAspect="1"/>
+          </p:cNvPicPr>
+          <p:nvPr/>
+        </p:nvPicPr>
+        <p:blipFill>
+          <a:blip r:embed="rId3">
+            <a:extLst>
+              <a:ext uri="{28A0092B-C50C-407E-A947-70E740481C1C}">
+                <a14:useLocalDpi xmlns:a14="http://schemas.microsoft.com/office/drawing/2010/main" val="0"/>
+              </a:ext>
+            </a:extLst>
+          </a:blip>
+          <a:stretch>
+            <a:fillRect/>
+          </a:stretch>
+        </p:blipFill>
+        <p:spPr>
+          <a:xfrm>
+            <a:off x="646112" y="461754"/>
+            <a:ext cx="4951124" cy="3379142"/>
+          </a:xfrm>
+          <a:prstGeom prst="rect">
+            <a:avLst/>
+          </a:prstGeom>
+          <a:effectLst>
+            <a:outerShdw blurRad="50800" dist="38100" dir="5400000" algn="t" rotWithShape="0">
+              <a:prstClr val="black">
+                <a:alpha val="43000"/>
+              </a:prstClr>
+            </a:outerShdw>
+          </a:effectLst>
+        </p:spPr>
+      </p:pic>
+      <p:pic>
+        <p:nvPicPr>
+          <p:cNvPr id="13" name="Content Placeholder 4" descr="A graph of different colored lines&#10;&#10;Description automatically generated">
+            <a:extLst>
+              <a:ext uri="{FF2B5EF4-FFF2-40B4-BE49-F238E27FC236}">
+                <a16:creationId xmlns:a16="http://schemas.microsoft.com/office/drawing/2014/main" id="{1E904707-CF90-A24B-74B0-D46E47A7897D}"/>
+              </a:ext>
+            </a:extLst>
+          </p:cNvPr>
+          <p:cNvPicPr>
+            <a:picLocks noChangeAspect="1"/>
+          </p:cNvPicPr>
+          <p:nvPr/>
+        </p:nvPicPr>
+        <p:blipFill>
+          <a:blip r:embed="rId4">
+            <a:extLst>
+              <a:ext uri="{28A0092B-C50C-407E-A947-70E740481C1C}">
+                <a14:useLocalDpi xmlns:a14="http://schemas.microsoft.com/office/drawing/2010/main" val="0"/>
+              </a:ext>
+            </a:extLst>
+          </a:blip>
+          <a:stretch>
+            <a:fillRect/>
+          </a:stretch>
+        </p:blipFill>
+        <p:spPr>
+          <a:xfrm>
+            <a:off x="6011825" y="461753"/>
+            <a:ext cx="5745151" cy="3379141"/>
+          </a:xfrm>
+          <a:prstGeom prst="rect">
+            <a:avLst/>
+          </a:prstGeom>
+          <a:effectLst>
+            <a:outerShdw blurRad="50800" dist="38100" dir="5400000" algn="t" rotWithShape="0">
+              <a:prstClr val="black">
+                <a:alpha val="43000"/>
+              </a:prstClr>
+            </a:outerShdw>
+          </a:effectLst>
+        </p:spPr>
+      </p:pic>
+      <p:sp>
+        <p:nvSpPr>
+          <p:cNvPr id="32" name="Content Placeholder 31">
+            <a:extLst>
+              <a:ext uri="{FF2B5EF4-FFF2-40B4-BE49-F238E27FC236}">
+                <a16:creationId xmlns:a16="http://schemas.microsoft.com/office/drawing/2014/main" id="{F292056C-6C46-97CA-447B-80A54CBABC00}"/>
+              </a:ext>
+            </a:extLst>
+          </p:cNvPr>
+          <p:cNvSpPr>
+            <a:spLocks noGrp="1"/>
+          </p:cNvSpPr>
+          <p:nvPr>
+            <p:ph idx="1"/>
+          </p:nvPr>
+        </p:nvSpPr>
+        <p:spPr>
+          <a:xfrm>
+            <a:off x="635459" y="5163378"/>
+            <a:ext cx="6645235" cy="642199"/>
+          </a:xfrm>
+        </p:spPr>
+        <p:txBody>
+          <a:bodyPr>
+            <a:normAutofit/>
+          </a:bodyPr>
+          <a:lstStyle/>
+          <a:p>
+            <a:r>
+              <a:rPr lang="en-US" sz="1800" dirty="0"/>
+              <a:t>5 years analysis on the southern and northern states. </a:t>
+            </a:r>
+          </a:p>
+        </p:txBody>
+      </p:sp>
+    </p:spTree>
+    <p:extLst>
+      <p:ext uri="{BB962C8B-B14F-4D97-AF65-F5344CB8AC3E}">
+        <p14:creationId xmlns:p14="http://schemas.microsoft.com/office/powerpoint/2010/main" val="2775280415"/>
+      </p:ext>
+    </p:extLst>
+  </p:cSld>
+  <p:clrMapOvr>
+    <a:masterClrMapping/>
+  </p:clrMapOvr>
+</p:sld>
+</file>
+
+<file path=ppt/slides/slide12.xml><?xml version="1.0" encoding="utf-8"?>
+<p:sld xmlns:a="http://schemas.openxmlformats.org/drawingml/2006/main" xmlns:r="http://schemas.openxmlformats.org/officeDocument/2006/relationships" xmlns:p="http://schemas.openxmlformats.org/presentationml/2006/main">
+  <p:cSld>
+    <p:bg>
+      <p:bgPr>
+        <a:blipFill rotWithShape="1">
+          <a:blip r:embed="rId2">
+            <a:duotone>
+              <a:schemeClr val="bg2">
+                <a:shade val="69000"/>
+                <a:hueMod val="108000"/>
+                <a:satMod val="164000"/>
+                <a:lumMod val="74000"/>
+              </a:schemeClr>
+              <a:schemeClr val="bg2">
+                <a:tint val="96000"/>
+                <a:hueMod val="88000"/>
+                <a:satMod val="140000"/>
+                <a:lumMod val="132000"/>
+              </a:schemeClr>
+            </a:duotone>
+          </a:blip>
+          <a:stretch/>
+        </a:blipFill>
+        <a:effectLst/>
+      </p:bgPr>
+    </p:bg>
+    <p:spTree>
+      <p:nvGrpSpPr>
+        <p:cNvPr id="1" name=""/>
+        <p:cNvGrpSpPr/>
+        <p:nvPr/>
+      </p:nvGrpSpPr>
+      <p:grpSpPr>
+        <a:xfrm>
+          <a:off x="0" y="0"/>
+          <a:ext cx="0" cy="0"/>
+          <a:chOff x="0" y="0"/>
+          <a:chExt cx="0" cy="0"/>
+        </a:xfrm>
+      </p:grpSpPr>
+      <p:pic>
+        <p:nvPicPr>
+          <p:cNvPr id="29" name="Picture 15">
+            <a:extLst>
+              <a:ext uri="{FF2B5EF4-FFF2-40B4-BE49-F238E27FC236}">
+                <a16:creationId xmlns:a16="http://schemas.microsoft.com/office/drawing/2014/main" id="{BD310164-D3A3-415E-9D94-5D21D9FB2F6C}"/>
+              </a:ext>
+              <a:ext uri="{C183D7F6-B498-43B3-948B-1728B52AA6E4}">
+                <adec:decorative xmlns:adec="http://schemas.microsoft.com/office/drawing/2017/decorative" val="1"/>
+              </a:ext>
+            </a:extLst>
+          </p:cNvPr>
+          <p:cNvPicPr>
+            <a:picLocks noGrp="1" noRot="1" noChangeAspect="1" noMove="1" noResize="1" noEditPoints="1" noAdjustHandles="1" noChangeArrowheads="1" noChangeShapeType="1" noCrop="1"/>
+          </p:cNvPicPr>
+          <p:nvPr>
+            <p:extLst>
+              <p:ext uri="{386F3935-93C4-4BCD-93E2-E3B085C9AB24}">
+                <p16:designElem xmlns:p16="http://schemas.microsoft.com/office/powerpoint/2015/main" val="1"/>
+              </p:ext>
+            </p:extLst>
+          </p:nvPr>
+        </p:nvPicPr>
+        <p:blipFill rotWithShape="1">
+          <a:blip r:embed="rId3">
+            <a:extLst>
+              <a:ext uri="{28A0092B-C50C-407E-A947-70E740481C1C}">
+                <a14:useLocalDpi xmlns:a14="http://schemas.microsoft.com/office/drawing/2010/main" val="0"/>
+              </a:ext>
+            </a:extLst>
+          </a:blip>
+          <a:srcRect l="3613"/>
+          <a:stretch/>
+        </p:blipFill>
+        <p:spPr>
+          <a:xfrm>
+            <a:off x="0" y="2669685"/>
+            <a:ext cx="4037012" cy="4188315"/>
+          </a:xfrm>
+          <a:prstGeom prst="rect">
+            <a:avLst/>
+          </a:prstGeom>
+        </p:spPr>
+      </p:pic>
+      <p:pic>
+        <p:nvPicPr>
+          <p:cNvPr id="31" name="Picture 17">
+            <a:extLst>
+              <a:ext uri="{FF2B5EF4-FFF2-40B4-BE49-F238E27FC236}">
+                <a16:creationId xmlns:a16="http://schemas.microsoft.com/office/drawing/2014/main" id="{BE586E08-18BF-4AB1-AB48-4005D567343E}"/>
+              </a:ext>
+              <a:ext uri="{C183D7F6-B498-43B3-948B-1728B52AA6E4}">
+                <adec:decorative xmlns:adec="http://schemas.microsoft.com/office/drawing/2017/decorative" val="1"/>
+              </a:ext>
+            </a:extLst>
+          </p:cNvPr>
+          <p:cNvPicPr>
+            <a:picLocks noGrp="1" noRot="1" noChangeAspect="1" noMove="1" noResize="1" noEditPoints="1" noAdjustHandles="1" noChangeArrowheads="1" noChangeShapeType="1" noCrop="1"/>
+          </p:cNvPicPr>
+          <p:nvPr>
+            <p:extLst>
+              <p:ext uri="{386F3935-93C4-4BCD-93E2-E3B085C9AB24}">
+                <p16:designElem xmlns:p16="http://schemas.microsoft.com/office/powerpoint/2015/main" val="1"/>
+              </p:ext>
+            </p:extLst>
+          </p:nvPr>
+        </p:nvPicPr>
+        <p:blipFill rotWithShape="1">
+          <a:blip r:embed="rId4">
+            <a:extLst>
+              <a:ext uri="{28A0092B-C50C-407E-A947-70E740481C1C}">
+                <a14:useLocalDpi xmlns:a14="http://schemas.microsoft.com/office/drawing/2010/main" val="0"/>
+              </a:ext>
+            </a:extLst>
+          </a:blip>
+          <a:srcRect l="35640"/>
+          <a:stretch/>
+        </p:blipFill>
+        <p:spPr>
+          <a:xfrm>
+            <a:off x="0" y="2892347"/>
+            <a:ext cx="1522412" cy="2365453"/>
+          </a:xfrm>
+          <a:prstGeom prst="rect">
+            <a:avLst/>
+          </a:prstGeom>
+        </p:spPr>
+      </p:pic>
+      <p:sp>
+        <p:nvSpPr>
+          <p:cNvPr id="32" name="Oval 19">
+            <a:extLst>
+              <a:ext uri="{FF2B5EF4-FFF2-40B4-BE49-F238E27FC236}">
+                <a16:creationId xmlns:a16="http://schemas.microsoft.com/office/drawing/2014/main" id="{4A497DBC-2692-42B4-A606-31024033F7C0}"/>
+              </a:ext>
+              <a:ext uri="{C183D7F6-B498-43B3-948B-1728B52AA6E4}">
+                <adec:decorative xmlns:adec="http://schemas.microsoft.com/office/drawing/2017/decorative" val="1"/>
+              </a:ext>
+            </a:extLst>
+          </p:cNvPr>
+          <p:cNvSpPr>
+            <a:spLocks noGrp="1" noRot="1" noChangeAspect="1" noMove="1" noResize="1" noEditPoints="1" noAdjustHandles="1" noChangeArrowheads="1" noChangeShapeType="1" noTextEdit="1"/>
+          </p:cNvSpPr>
+          <p:nvPr>
+            <p:extLst>
+              <p:ext uri="{386F3935-93C4-4BCD-93E2-E3B085C9AB24}">
+                <p16:designElem xmlns:p16="http://schemas.microsoft.com/office/powerpoint/2015/main" val="1"/>
+              </p:ext>
+            </p:extLst>
+          </p:nvPr>
+        </p:nvSpPr>
+        <p:spPr>
+          <a:xfrm>
+            <a:off x="8609012" y="1676400"/>
+            <a:ext cx="2819400" cy="2819400"/>
+          </a:xfrm>
+          <a:prstGeom prst="ellipse">
+            <a:avLst/>
+          </a:prstGeom>
+          <a:gradFill flip="none" rotWithShape="1">
+            <a:gsLst>
+              <a:gs pos="0">
+                <a:schemeClr val="bg2">
+                  <a:lumMod val="60000"/>
+                  <a:lumOff val="40000"/>
+                  <a:alpha val="7000"/>
+                </a:schemeClr>
+              </a:gs>
+              <a:gs pos="69000">
+                <a:schemeClr val="bg2">
+                  <a:lumMod val="60000"/>
+                  <a:lumOff val="40000"/>
+                  <a:alpha val="0"/>
+                </a:schemeClr>
+              </a:gs>
+              <a:gs pos="36000">
+                <a:schemeClr val="bg2">
+                  <a:lumMod val="60000"/>
+                  <a:lumOff val="40000"/>
+                  <a:alpha val="6000"/>
+                </a:schemeClr>
+              </a:gs>
+            </a:gsLst>
+            <a:path path="circle">
+              <a:fillToRect l="50000" t="50000" r="50000" b="50000"/>
+            </a:path>
+            <a:tileRect/>
+          </a:gradFill>
+          <a:ln>
+            <a:noFill/>
+          </a:ln>
+          <a:effectLst/>
+        </p:spPr>
+        <p:style>
+          <a:lnRef idx="1">
+            <a:schemeClr val="accent1"/>
+          </a:lnRef>
+          <a:fillRef idx="3">
+            <a:schemeClr val="accent1"/>
+          </a:fillRef>
+          <a:effectRef idx="2">
+            <a:schemeClr val="accent1"/>
+          </a:effectRef>
+          <a:fontRef idx="minor">
+            <a:schemeClr val="lt1"/>
+          </a:fontRef>
+        </p:style>
+        <p:txBody>
+          <a:bodyPr/>
+          <a:lstStyle/>
+          <a:p>
+            <a:endParaRPr lang="en-US"/>
+          </a:p>
+        </p:txBody>
+      </p:sp>
+      <p:pic>
+        <p:nvPicPr>
+          <p:cNvPr id="33" name="Picture 21">
+            <a:extLst>
+              <a:ext uri="{FF2B5EF4-FFF2-40B4-BE49-F238E27FC236}">
+                <a16:creationId xmlns:a16="http://schemas.microsoft.com/office/drawing/2014/main" id="{3517A192-66A9-4297-9284-65580829ABF1}"/>
+              </a:ext>
+              <a:ext uri="{C183D7F6-B498-43B3-948B-1728B52AA6E4}">
+                <adec:decorative xmlns:adec="http://schemas.microsoft.com/office/drawing/2017/decorative" val="1"/>
+              </a:ext>
+            </a:extLst>
+          </p:cNvPr>
+          <p:cNvPicPr>
+            <a:picLocks noGrp="1" noRot="1" noChangeAspect="1" noMove="1" noResize="1" noEditPoints="1" noAdjustHandles="1" noChangeArrowheads="1" noChangeShapeType="1" noCrop="1"/>
+          </p:cNvPicPr>
+          <p:nvPr>
+            <p:extLst>
+              <p:ext uri="{386F3935-93C4-4BCD-93E2-E3B085C9AB24}">
+                <p16:designElem xmlns:p16="http://schemas.microsoft.com/office/powerpoint/2015/main" val="1"/>
+              </p:ext>
+            </p:extLst>
+          </p:nvPr>
+        </p:nvPicPr>
+        <p:blipFill rotWithShape="1">
+          <a:blip r:embed="rId5">
+            <a:extLst>
+              <a:ext uri="{28A0092B-C50C-407E-A947-70E740481C1C}">
+                <a14:useLocalDpi xmlns:a14="http://schemas.microsoft.com/office/drawing/2010/main" val="0"/>
+              </a:ext>
+            </a:extLst>
+          </a:blip>
+          <a:srcRect t="28813"/>
+          <a:stretch/>
+        </p:blipFill>
+        <p:spPr>
+          <a:xfrm>
+            <a:off x="7999412" y="0"/>
+            <a:ext cx="1603387" cy="1141407"/>
+          </a:xfrm>
+          <a:prstGeom prst="rect">
+            <a:avLst/>
+          </a:prstGeom>
+        </p:spPr>
+      </p:pic>
+      <p:pic>
+        <p:nvPicPr>
+          <p:cNvPr id="34" name="Picture 23">
+            <a:extLst>
+              <a:ext uri="{FF2B5EF4-FFF2-40B4-BE49-F238E27FC236}">
+                <a16:creationId xmlns:a16="http://schemas.microsoft.com/office/drawing/2014/main" id="{130825ED-0133-430D-BBBB-50B6F5228448}"/>
+              </a:ext>
+              <a:ext uri="{C183D7F6-B498-43B3-948B-1728B52AA6E4}">
+                <adec:decorative xmlns:adec="http://schemas.microsoft.com/office/drawing/2017/decorative" val="1"/>
+              </a:ext>
+            </a:extLst>
+          </p:cNvPr>
+          <p:cNvPicPr>
+            <a:picLocks noGrp="1" noRot="1" noChangeAspect="1" noMove="1" noResize="1" noEditPoints="1" noAdjustHandles="1" noChangeArrowheads="1" noChangeShapeType="1" noCrop="1"/>
+          </p:cNvPicPr>
+          <p:nvPr>
+            <p:extLst>
+              <p:ext uri="{386F3935-93C4-4BCD-93E2-E3B085C9AB24}">
+                <p16:designElem xmlns:p16="http://schemas.microsoft.com/office/powerpoint/2015/main" val="1"/>
+              </p:ext>
+            </p:extLst>
+          </p:nvPr>
+        </p:nvPicPr>
+        <p:blipFill rotWithShape="1">
+          <a:blip r:embed="rId6">
+            <a:extLst>
+              <a:ext uri="{28A0092B-C50C-407E-A947-70E740481C1C}">
+                <a14:useLocalDpi xmlns:a14="http://schemas.microsoft.com/office/drawing/2010/main" val="0"/>
+              </a:ext>
+            </a:extLst>
+          </a:blip>
+          <a:srcRect b="23320"/>
+          <a:stretch/>
+        </p:blipFill>
+        <p:spPr>
+          <a:xfrm>
+            <a:off x="8605878" y="6096000"/>
+            <a:ext cx="993734" cy="762000"/>
+          </a:xfrm>
+          <a:prstGeom prst="rect">
+            <a:avLst/>
+          </a:prstGeom>
+        </p:spPr>
+      </p:pic>
+      <p:sp>
+        <p:nvSpPr>
+          <p:cNvPr id="35" name="Rectangle 25">
+            <a:extLst>
+              <a:ext uri="{FF2B5EF4-FFF2-40B4-BE49-F238E27FC236}">
+                <a16:creationId xmlns:a16="http://schemas.microsoft.com/office/drawing/2014/main" id="{633F040E-FA1C-4EDC-B925-7EFCB9582839}"/>
+              </a:ext>
+              <a:ext uri="{C183D7F6-B498-43B3-948B-1728B52AA6E4}">
+                <adec:decorative xmlns:adec="http://schemas.microsoft.com/office/drawing/2017/decorative" val="1"/>
+              </a:ext>
+            </a:extLst>
+          </p:cNvPr>
+          <p:cNvSpPr>
+            <a:spLocks noGrp="1" noRot="1" noChangeAspect="1" noMove="1" noResize="1" noEditPoints="1" noAdjustHandles="1" noChangeArrowheads="1" noChangeShapeType="1" noTextEdit="1"/>
+          </p:cNvSpPr>
+          <p:nvPr>
+            <p:extLst>
+              <p:ext uri="{386F3935-93C4-4BCD-93E2-E3B085C9AB24}">
+                <p16:designElem xmlns:p16="http://schemas.microsoft.com/office/powerpoint/2015/main" val="1"/>
+              </p:ext>
+            </p:extLst>
+          </p:nvPr>
+        </p:nvSpPr>
+        <p:spPr>
+          <a:xfrm>
+            <a:off x="10437812" y="0"/>
+            <a:ext cx="685800" cy="1143000"/>
+          </a:xfrm>
+          <a:prstGeom prst="rect">
+            <a:avLst/>
+          </a:prstGeom>
+          <a:solidFill>
+            <a:schemeClr val="accent1"/>
+          </a:solidFill>
+          <a:ln>
+            <a:noFill/>
+          </a:ln>
+        </p:spPr>
+        <p:style>
+          <a:lnRef idx="1">
+            <a:schemeClr val="accent1"/>
+          </a:lnRef>
+          <a:fillRef idx="3">
+            <a:schemeClr val="accent1"/>
+          </a:fillRef>
+          <a:effectRef idx="2">
+            <a:schemeClr val="accent1"/>
+          </a:effectRef>
+          <a:fontRef idx="minor">
+            <a:schemeClr val="lt1"/>
+          </a:fontRef>
+        </p:style>
+        <p:txBody>
+          <a:bodyPr/>
+          <a:lstStyle/>
+          <a:p>
+            <a:endParaRPr lang="en-US"/>
+          </a:p>
+        </p:txBody>
+      </p:sp>
+      <p:sp>
+        <p:nvSpPr>
+          <p:cNvPr id="2" name="Title 1">
+            <a:extLst>
+              <a:ext uri="{FF2B5EF4-FFF2-40B4-BE49-F238E27FC236}">
+                <a16:creationId xmlns:a16="http://schemas.microsoft.com/office/drawing/2014/main" id="{4BC11544-DF27-5E31-C9E1-005ECDADAE96}"/>
+              </a:ext>
+            </a:extLst>
+          </p:cNvPr>
+          <p:cNvSpPr>
+            <a:spLocks noGrp="1"/>
+          </p:cNvSpPr>
+          <p:nvPr>
+            <p:ph type="title"/>
+          </p:nvPr>
+        </p:nvSpPr>
+        <p:spPr>
+          <a:xfrm>
+            <a:off x="8210623" y="1447800"/>
+            <a:ext cx="3333676" cy="3096987"/>
+          </a:xfrm>
+        </p:spPr>
+        <p:txBody>
+          <a:bodyPr vert="horz" lIns="91440" tIns="45720" rIns="91440" bIns="45720" rtlCol="0" anchor="b">
+            <a:normAutofit/>
+          </a:bodyPr>
+          <a:lstStyle/>
+          <a:p>
+            <a:r>
+              <a:rPr lang="en-US" sz="5400"/>
+              <a:t>Seasonal Trend </a:t>
+            </a:r>
+          </a:p>
+        </p:txBody>
+      </p:sp>
+      <p:sp>
+        <p:nvSpPr>
+          <p:cNvPr id="28" name="Freeform: Shape 27">
+            <a:extLst>
+              <a:ext uri="{FF2B5EF4-FFF2-40B4-BE49-F238E27FC236}">
+                <a16:creationId xmlns:a16="http://schemas.microsoft.com/office/drawing/2014/main" id="{185730E4-A3A6-43E2-8E84-A4D61748BC82}"/>
+              </a:ext>
+              <a:ext uri="{C183D7F6-B498-43B3-948B-1728B52AA6E4}">
+                <adec:decorative xmlns:adec="http://schemas.microsoft.com/office/drawing/2017/decorative" val="1"/>
+              </a:ext>
+            </a:extLst>
+          </p:cNvPr>
+          <p:cNvSpPr>
+            <a:spLocks noGrp="1" noRot="1" noChangeAspect="1" noMove="1" noResize="1" noEditPoints="1" noAdjustHandles="1" noChangeArrowheads="1" noChangeShapeType="1" noTextEdit="1"/>
+          </p:cNvSpPr>
+          <p:nvPr>
+            <p:extLst>
+              <p:ext uri="{386F3935-93C4-4BCD-93E2-E3B085C9AB24}">
+                <p16:designElem xmlns:p16="http://schemas.microsoft.com/office/powerpoint/2015/main" val="1"/>
+              </p:ext>
+            </p:extLst>
+          </p:nvPr>
+        </p:nvSpPr>
+        <p:spPr>
+          <a:xfrm>
+            <a:off x="0" y="0"/>
+            <a:ext cx="7809954" cy="6858000"/>
+          </a:xfrm>
+          <a:custGeom>
+            <a:avLst/>
+            <a:gdLst>
+              <a:gd name="connsiteX0" fmla="*/ 6465239 w 7809954"/>
+              <a:gd name="connsiteY0" fmla="*/ 0 h 6858000"/>
+              <a:gd name="connsiteX1" fmla="*/ 7808777 w 7809954"/>
+              <a:gd name="connsiteY1" fmla="*/ 0 h 6858000"/>
+              <a:gd name="connsiteX2" fmla="*/ 7783732 w 7809954"/>
+              <a:gd name="connsiteY2" fmla="*/ 155676 h 6858000"/>
+              <a:gd name="connsiteX3" fmla="*/ 7759863 w 7809954"/>
+              <a:gd name="connsiteY3" fmla="*/ 310667 h 6858000"/>
+              <a:gd name="connsiteX4" fmla="*/ 7736499 w 7809954"/>
+              <a:gd name="connsiteY4" fmla="*/ 466344 h 6858000"/>
+              <a:gd name="connsiteX5" fmla="*/ 7716496 w 7809954"/>
+              <a:gd name="connsiteY5" fmla="*/ 622706 h 6858000"/>
+              <a:gd name="connsiteX6" fmla="*/ 7696325 w 7809954"/>
+              <a:gd name="connsiteY6" fmla="*/ 778383 h 6858000"/>
+              <a:gd name="connsiteX7" fmla="*/ 7677499 w 7809954"/>
+              <a:gd name="connsiteY7" fmla="*/ 934745 h 6858000"/>
+              <a:gd name="connsiteX8" fmla="*/ 7661363 w 7809954"/>
+              <a:gd name="connsiteY8" fmla="*/ 1089050 h 6858000"/>
+              <a:gd name="connsiteX9" fmla="*/ 7646067 w 7809954"/>
+              <a:gd name="connsiteY9" fmla="*/ 1245413 h 6858000"/>
+              <a:gd name="connsiteX10" fmla="*/ 7632115 w 7809954"/>
+              <a:gd name="connsiteY10" fmla="*/ 1401089 h 6858000"/>
+              <a:gd name="connsiteX11" fmla="*/ 7620013 w 7809954"/>
+              <a:gd name="connsiteY11" fmla="*/ 1554023 h 6858000"/>
+              <a:gd name="connsiteX12" fmla="*/ 7607910 w 7809954"/>
+              <a:gd name="connsiteY12" fmla="*/ 1709013 h 6858000"/>
+              <a:gd name="connsiteX13" fmla="*/ 7597825 w 7809954"/>
+              <a:gd name="connsiteY13" fmla="*/ 1861947 h 6858000"/>
+              <a:gd name="connsiteX14" fmla="*/ 7589925 w 7809954"/>
+              <a:gd name="connsiteY14" fmla="*/ 2014880 h 6858000"/>
+              <a:gd name="connsiteX15" fmla="*/ 7581688 w 7809954"/>
+              <a:gd name="connsiteY15" fmla="*/ 2167128 h 6858000"/>
+              <a:gd name="connsiteX16" fmla="*/ 7574797 w 7809954"/>
+              <a:gd name="connsiteY16" fmla="*/ 2318004 h 6858000"/>
+              <a:gd name="connsiteX17" fmla="*/ 7569922 w 7809954"/>
+              <a:gd name="connsiteY17" fmla="*/ 2467508 h 6858000"/>
+              <a:gd name="connsiteX18" fmla="*/ 7565720 w 7809954"/>
+              <a:gd name="connsiteY18" fmla="*/ 2617013 h 6858000"/>
+              <a:gd name="connsiteX19" fmla="*/ 7561686 w 7809954"/>
+              <a:gd name="connsiteY19" fmla="*/ 2765145 h 6858000"/>
+              <a:gd name="connsiteX20" fmla="*/ 7559837 w 7809954"/>
+              <a:gd name="connsiteY20" fmla="*/ 2911221 h 6858000"/>
+              <a:gd name="connsiteX21" fmla="*/ 7557820 w 7809954"/>
+              <a:gd name="connsiteY21" fmla="*/ 3057296 h 6858000"/>
+              <a:gd name="connsiteX22" fmla="*/ 7556811 w 7809954"/>
+              <a:gd name="connsiteY22" fmla="*/ 3201314 h 6858000"/>
+              <a:gd name="connsiteX23" fmla="*/ 7557820 w 7809954"/>
+              <a:gd name="connsiteY23" fmla="*/ 3343960 h 6858000"/>
+              <a:gd name="connsiteX24" fmla="*/ 7557820 w 7809954"/>
+              <a:gd name="connsiteY24" fmla="*/ 3485235 h 6858000"/>
+              <a:gd name="connsiteX25" fmla="*/ 7559837 w 7809954"/>
+              <a:gd name="connsiteY25" fmla="*/ 3625138 h 6858000"/>
+              <a:gd name="connsiteX26" fmla="*/ 7562862 w 7809954"/>
+              <a:gd name="connsiteY26" fmla="*/ 3762298 h 6858000"/>
+              <a:gd name="connsiteX27" fmla="*/ 7565720 w 7809954"/>
+              <a:gd name="connsiteY27" fmla="*/ 3898087 h 6858000"/>
+              <a:gd name="connsiteX28" fmla="*/ 7568914 w 7809954"/>
+              <a:gd name="connsiteY28" fmla="*/ 4031132 h 6858000"/>
+              <a:gd name="connsiteX29" fmla="*/ 7573788 w 7809954"/>
+              <a:gd name="connsiteY29" fmla="*/ 4163491 h 6858000"/>
+              <a:gd name="connsiteX30" fmla="*/ 7578999 w 7809954"/>
+              <a:gd name="connsiteY30" fmla="*/ 4293793 h 6858000"/>
+              <a:gd name="connsiteX31" fmla="*/ 7583705 w 7809954"/>
+              <a:gd name="connsiteY31" fmla="*/ 4421352 h 6858000"/>
+              <a:gd name="connsiteX32" fmla="*/ 7596985 w 7809954"/>
+              <a:gd name="connsiteY32" fmla="*/ 4670298 h 6858000"/>
+              <a:gd name="connsiteX33" fmla="*/ 7611104 w 7809954"/>
+              <a:gd name="connsiteY33" fmla="*/ 4908956 h 6858000"/>
+              <a:gd name="connsiteX34" fmla="*/ 7625896 w 7809954"/>
+              <a:gd name="connsiteY34" fmla="*/ 5138013 h 6858000"/>
+              <a:gd name="connsiteX35" fmla="*/ 7642201 w 7809954"/>
+              <a:gd name="connsiteY35" fmla="*/ 5354726 h 6858000"/>
+              <a:gd name="connsiteX36" fmla="*/ 7659178 w 7809954"/>
+              <a:gd name="connsiteY36" fmla="*/ 5561838 h 6858000"/>
+              <a:gd name="connsiteX37" fmla="*/ 7677499 w 7809954"/>
+              <a:gd name="connsiteY37" fmla="*/ 5753862 h 6858000"/>
+              <a:gd name="connsiteX38" fmla="*/ 7695485 w 7809954"/>
+              <a:gd name="connsiteY38" fmla="*/ 5934227 h 6858000"/>
+              <a:gd name="connsiteX39" fmla="*/ 7713470 w 7809954"/>
+              <a:gd name="connsiteY39" fmla="*/ 6100191 h 6858000"/>
+              <a:gd name="connsiteX40" fmla="*/ 7730447 w 7809954"/>
+              <a:gd name="connsiteY40" fmla="*/ 6252438 h 6858000"/>
+              <a:gd name="connsiteX41" fmla="*/ 7746584 w 7809954"/>
+              <a:gd name="connsiteY41" fmla="*/ 6387541 h 6858000"/>
+              <a:gd name="connsiteX42" fmla="*/ 7761880 w 7809954"/>
+              <a:gd name="connsiteY42" fmla="*/ 6509613 h 6858000"/>
+              <a:gd name="connsiteX43" fmla="*/ 7774655 w 7809954"/>
+              <a:gd name="connsiteY43" fmla="*/ 6612483 h 6858000"/>
+              <a:gd name="connsiteX44" fmla="*/ 7786757 w 7809954"/>
+              <a:gd name="connsiteY44" fmla="*/ 6698894 h 6858000"/>
+              <a:gd name="connsiteX45" fmla="*/ 7804071 w 7809954"/>
+              <a:gd name="connsiteY45" fmla="*/ 6817538 h 6858000"/>
+              <a:gd name="connsiteX46" fmla="*/ 7809954 w 7809954"/>
+              <a:gd name="connsiteY46" fmla="*/ 6858000 h 6858000"/>
+              <a:gd name="connsiteX47" fmla="*/ 7157124 w 7809954"/>
+              <a:gd name="connsiteY47" fmla="*/ 6858000 h 6858000"/>
+              <a:gd name="connsiteX48" fmla="*/ 7157124 w 7809954"/>
+              <a:gd name="connsiteY48" fmla="*/ 6858000 h 6858000"/>
+              <a:gd name="connsiteX49" fmla="*/ 0 w 7809954"/>
+              <a:gd name="connsiteY49" fmla="*/ 6858000 h 6858000"/>
+              <a:gd name="connsiteX50" fmla="*/ 0 w 7809954"/>
+              <a:gd name="connsiteY50" fmla="*/ 0 h 6858000"/>
+              <a:gd name="connsiteX51" fmla="*/ 6465239 w 7809954"/>
+              <a:gd name="connsiteY51" fmla="*/ 0 h 6858000"/>
+            </a:gdLst>
+            <a:ahLst/>
+            <a:cxnLst>
+              <a:cxn ang="0">
+                <a:pos x="connsiteX0" y="connsiteY0"/>
+              </a:cxn>
+              <a:cxn ang="0">
+                <a:pos x="connsiteX1" y="connsiteY1"/>
+              </a:cxn>
+              <a:cxn ang="0">
+                <a:pos x="connsiteX2" y="connsiteY2"/>
+              </a:cxn>
+              <a:cxn ang="0">
+                <a:pos x="connsiteX3" y="connsiteY3"/>
+              </a:cxn>
+              <a:cxn ang="0">
+                <a:pos x="connsiteX4" y="connsiteY4"/>
+              </a:cxn>
+              <a:cxn ang="0">
+                <a:pos x="connsiteX5" y="connsiteY5"/>
+              </a:cxn>
+              <a:cxn ang="0">
+                <a:pos x="connsiteX6" y="connsiteY6"/>
+              </a:cxn>
+              <a:cxn ang="0">
+                <a:pos x="connsiteX7" y="connsiteY7"/>
+              </a:cxn>
+              <a:cxn ang="0">
+                <a:pos x="connsiteX8" y="connsiteY8"/>
+              </a:cxn>
+              <a:cxn ang="0">
+                <a:pos x="connsiteX9" y="connsiteY9"/>
+              </a:cxn>
+              <a:cxn ang="0">
+                <a:pos x="connsiteX10" y="connsiteY10"/>
+              </a:cxn>
+              <a:cxn ang="0">
+                <a:pos x="connsiteX11" y="connsiteY11"/>
+              </a:cxn>
+              <a:cxn ang="0">
+                <a:pos x="connsiteX12" y="connsiteY12"/>
+              </a:cxn>
+              <a:cxn ang="0">
+                <a:pos x="connsiteX13" y="connsiteY13"/>
+              </a:cxn>
+              <a:cxn ang="0">
+                <a:pos x="connsiteX14" y="connsiteY14"/>
+              </a:cxn>
+              <a:cxn ang="0">
+                <a:pos x="connsiteX15" y="connsiteY15"/>
+              </a:cxn>
+              <a:cxn ang="0">
+                <a:pos x="connsiteX16" y="connsiteY16"/>
+              </a:cxn>
+              <a:cxn ang="0">
+                <a:pos x="connsiteX17" y="connsiteY17"/>
+              </a:cxn>
+              <a:cxn ang="0">
+                <a:pos x="connsiteX18" y="connsiteY18"/>
+              </a:cxn>
+              <a:cxn ang="0">
+                <a:pos x="connsiteX19" y="connsiteY19"/>
+              </a:cxn>
+              <a:cxn ang="0">
+                <a:pos x="connsiteX20" y="connsiteY20"/>
+              </a:cxn>
+              <a:cxn ang="0">
+                <a:pos x="connsiteX21" y="connsiteY21"/>
+              </a:cxn>
+              <a:cxn ang="0">
+                <a:pos x="connsiteX22" y="connsiteY22"/>
+              </a:cxn>
+              <a:cxn ang="0">
+                <a:pos x="connsiteX23" y="connsiteY23"/>
+              </a:cxn>
+              <a:cxn ang="0">
+                <a:pos x="connsiteX24" y="connsiteY24"/>
+              </a:cxn>
+              <a:cxn ang="0">
+                <a:pos x="connsiteX25" y="connsiteY25"/>
+              </a:cxn>
+              <a:cxn ang="0">
+                <a:pos x="connsiteX26" y="connsiteY26"/>
+              </a:cxn>
+              <a:cxn ang="0">
+                <a:pos x="connsiteX27" y="connsiteY27"/>
+              </a:cxn>
+              <a:cxn ang="0">
+                <a:pos x="connsiteX28" y="connsiteY28"/>
+              </a:cxn>
+              <a:cxn ang="0">
+                <a:pos x="connsiteX29" y="connsiteY29"/>
+              </a:cxn>
+              <a:cxn ang="0">
+                <a:pos x="connsiteX30" y="connsiteY30"/>
+              </a:cxn>
+              <a:cxn ang="0">
+                <a:pos x="connsiteX31" y="connsiteY31"/>
+              </a:cxn>
+              <a:cxn ang="0">
+                <a:pos x="connsiteX32" y="connsiteY32"/>
+              </a:cxn>
+              <a:cxn ang="0">
+                <a:pos x="connsiteX33" y="connsiteY33"/>
+              </a:cxn>
+              <a:cxn ang="0">
+                <a:pos x="connsiteX34" y="connsiteY34"/>
+              </a:cxn>
+              <a:cxn ang="0">
+                <a:pos x="connsiteX35" y="connsiteY35"/>
+              </a:cxn>
+              <a:cxn ang="0">
+                <a:pos x="connsiteX36" y="connsiteY36"/>
+              </a:cxn>
+              <a:cxn ang="0">
+                <a:pos x="connsiteX37" y="connsiteY37"/>
+              </a:cxn>
+              <a:cxn ang="0">
+                <a:pos x="connsiteX38" y="connsiteY38"/>
+              </a:cxn>
+              <a:cxn ang="0">
+                <a:pos x="connsiteX39" y="connsiteY39"/>
+              </a:cxn>
+              <a:cxn ang="0">
+                <a:pos x="connsiteX40" y="connsiteY40"/>
+              </a:cxn>
+              <a:cxn ang="0">
+                <a:pos x="connsiteX41" y="connsiteY41"/>
+              </a:cxn>
+              <a:cxn ang="0">
+                <a:pos x="connsiteX42" y="connsiteY42"/>
+              </a:cxn>
+              <a:cxn ang="0">
+                <a:pos x="connsiteX43" y="connsiteY43"/>
+              </a:cxn>
+              <a:cxn ang="0">
+                <a:pos x="connsiteX44" y="connsiteY44"/>
+              </a:cxn>
+              <a:cxn ang="0">
+                <a:pos x="connsiteX45" y="connsiteY45"/>
+              </a:cxn>
+              <a:cxn ang="0">
+                <a:pos x="connsiteX46" y="connsiteY46"/>
+              </a:cxn>
+              <a:cxn ang="0">
+                <a:pos x="connsiteX47" y="connsiteY47"/>
+              </a:cxn>
+              <a:cxn ang="0">
+                <a:pos x="connsiteX48" y="connsiteY48"/>
+              </a:cxn>
+              <a:cxn ang="0">
+                <a:pos x="connsiteX49" y="connsiteY49"/>
+              </a:cxn>
+              <a:cxn ang="0">
+                <a:pos x="connsiteX50" y="connsiteY50"/>
+              </a:cxn>
+              <a:cxn ang="0">
+                <a:pos x="connsiteX51" y="connsiteY51"/>
+              </a:cxn>
+            </a:cxnLst>
+            <a:rect l="l" t="t" r="r" b="b"/>
+            <a:pathLst>
+              <a:path w="7809954" h="6858000">
+                <a:moveTo>
+                  <a:pt x="6465239" y="0"/>
+                </a:moveTo>
+                <a:lnTo>
+                  <a:pt x="7808777" y="0"/>
+                </a:lnTo>
+                <a:lnTo>
+                  <a:pt x="7783732" y="155676"/>
+                </a:lnTo>
+                <a:lnTo>
+                  <a:pt x="7759863" y="310667"/>
+                </a:lnTo>
+                <a:lnTo>
+                  <a:pt x="7736499" y="466344"/>
+                </a:lnTo>
+                <a:lnTo>
+                  <a:pt x="7716496" y="622706"/>
+                </a:lnTo>
+                <a:lnTo>
+                  <a:pt x="7696325" y="778383"/>
+                </a:lnTo>
+                <a:lnTo>
+                  <a:pt x="7677499" y="934745"/>
+                </a:lnTo>
+                <a:lnTo>
+                  <a:pt x="7661363" y="1089050"/>
+                </a:lnTo>
+                <a:lnTo>
+                  <a:pt x="7646067" y="1245413"/>
+                </a:lnTo>
+                <a:lnTo>
+                  <a:pt x="7632115" y="1401089"/>
+                </a:lnTo>
+                <a:lnTo>
+                  <a:pt x="7620013" y="1554023"/>
+                </a:lnTo>
+                <a:lnTo>
+                  <a:pt x="7607910" y="1709013"/>
+                </a:lnTo>
+                <a:lnTo>
+                  <a:pt x="7597825" y="1861947"/>
+                </a:lnTo>
+                <a:lnTo>
+                  <a:pt x="7589925" y="2014880"/>
+                </a:lnTo>
+                <a:lnTo>
+                  <a:pt x="7581688" y="2167128"/>
+                </a:lnTo>
+                <a:lnTo>
+                  <a:pt x="7574797" y="2318004"/>
+                </a:lnTo>
+                <a:lnTo>
+                  <a:pt x="7569922" y="2467508"/>
+                </a:lnTo>
+                <a:lnTo>
+                  <a:pt x="7565720" y="2617013"/>
+                </a:lnTo>
+                <a:lnTo>
+                  <a:pt x="7561686" y="2765145"/>
+                </a:lnTo>
+                <a:lnTo>
+                  <a:pt x="7559837" y="2911221"/>
+                </a:lnTo>
+                <a:lnTo>
+                  <a:pt x="7557820" y="3057296"/>
+                </a:lnTo>
+                <a:lnTo>
+                  <a:pt x="7556811" y="3201314"/>
+                </a:lnTo>
+                <a:lnTo>
+                  <a:pt x="7557820" y="3343960"/>
+                </a:lnTo>
+                <a:lnTo>
+                  <a:pt x="7557820" y="3485235"/>
+                </a:lnTo>
+                <a:lnTo>
+                  <a:pt x="7559837" y="3625138"/>
+                </a:lnTo>
+                <a:lnTo>
+                  <a:pt x="7562862" y="3762298"/>
+                </a:lnTo>
+                <a:lnTo>
+                  <a:pt x="7565720" y="3898087"/>
+                </a:lnTo>
+                <a:lnTo>
+                  <a:pt x="7568914" y="4031132"/>
+                </a:lnTo>
+                <a:lnTo>
+                  <a:pt x="7573788" y="4163491"/>
+                </a:lnTo>
+                <a:lnTo>
+                  <a:pt x="7578999" y="4293793"/>
+                </a:lnTo>
+                <a:lnTo>
+                  <a:pt x="7583705" y="4421352"/>
+                </a:lnTo>
+                <a:lnTo>
+                  <a:pt x="7596985" y="4670298"/>
+                </a:lnTo>
+                <a:lnTo>
+                  <a:pt x="7611104" y="4908956"/>
+                </a:lnTo>
+                <a:lnTo>
+                  <a:pt x="7625896" y="5138013"/>
+                </a:lnTo>
+                <a:lnTo>
+                  <a:pt x="7642201" y="5354726"/>
+                </a:lnTo>
+                <a:lnTo>
+                  <a:pt x="7659178" y="5561838"/>
+                </a:lnTo>
+                <a:lnTo>
+                  <a:pt x="7677499" y="5753862"/>
+                </a:lnTo>
+                <a:lnTo>
+                  <a:pt x="7695485" y="5934227"/>
+                </a:lnTo>
+                <a:lnTo>
+                  <a:pt x="7713470" y="6100191"/>
+                </a:lnTo>
+                <a:lnTo>
+                  <a:pt x="7730447" y="6252438"/>
+                </a:lnTo>
+                <a:lnTo>
+                  <a:pt x="7746584" y="6387541"/>
+                </a:lnTo>
+                <a:lnTo>
+                  <a:pt x="7761880" y="6509613"/>
+                </a:lnTo>
+                <a:lnTo>
+                  <a:pt x="7774655" y="6612483"/>
+                </a:lnTo>
+                <a:lnTo>
+                  <a:pt x="7786757" y="6698894"/>
+                </a:lnTo>
+                <a:lnTo>
+                  <a:pt x="7804071" y="6817538"/>
+                </a:lnTo>
+                <a:lnTo>
+                  <a:pt x="7809954" y="6858000"/>
+                </a:lnTo>
+                <a:lnTo>
+                  <a:pt x="7157124" y="6858000"/>
+                </a:lnTo>
+                <a:lnTo>
+                  <a:pt x="7157124" y="6858000"/>
+                </a:lnTo>
+                <a:lnTo>
+                  <a:pt x="0" y="6858000"/>
+                </a:lnTo>
+                <a:lnTo>
+                  <a:pt x="0" y="0"/>
+                </a:lnTo>
+                <a:lnTo>
+                  <a:pt x="6465239" y="0"/>
+                </a:lnTo>
+                <a:close/>
+              </a:path>
+            </a:pathLst>
+          </a:custGeom>
+          <a:solidFill>
+            <a:srgbClr val="FFFFFF"/>
+          </a:solidFill>
+          <a:ln>
+            <a:noFill/>
+          </a:ln>
+        </p:spPr>
+        <p:style>
+          <a:lnRef idx="2">
+            <a:schemeClr val="accent1">
+              <a:shade val="50000"/>
+            </a:schemeClr>
+          </a:lnRef>
+          <a:fillRef idx="1">
+            <a:schemeClr val="accent1"/>
+          </a:fillRef>
+          <a:effectRef idx="0">
+            <a:schemeClr val="accent1"/>
+          </a:effectRef>
+          <a:fontRef idx="minor">
+            <a:schemeClr val="lt1"/>
+          </a:fontRef>
+        </p:style>
+        <p:txBody>
+          <a:bodyPr wrap="square" rtlCol="0" anchor="ctr">
+            <a:noAutofit/>
+          </a:bodyPr>
+          <a:lstStyle/>
+          <a:p>
+            <a:pPr algn="ctr"/>
+            <a:endParaRPr lang="en-US"/>
+          </a:p>
+        </p:txBody>
+      </p:sp>
+      <p:pic>
+        <p:nvPicPr>
+          <p:cNvPr id="11" name="Picture 10" descr="A graph of a graph&#10;&#10;Description automatically generated">
+            <a:extLst>
+              <a:ext uri="{FF2B5EF4-FFF2-40B4-BE49-F238E27FC236}">
+                <a16:creationId xmlns:a16="http://schemas.microsoft.com/office/drawing/2014/main" id="{E32A4D55-C5BD-0116-E0C6-577981BBA01A}"/>
+              </a:ext>
+            </a:extLst>
+          </p:cNvPr>
+          <p:cNvPicPr>
+            <a:picLocks noChangeAspect="1"/>
+          </p:cNvPicPr>
+          <p:nvPr/>
+        </p:nvPicPr>
+        <p:blipFill>
+          <a:blip r:embed="rId7">
+            <a:extLst>
+              <a:ext uri="{28A0092B-C50C-407E-A947-70E740481C1C}">
+                <a14:useLocalDpi xmlns:a14="http://schemas.microsoft.com/office/drawing/2010/main" val="0"/>
+              </a:ext>
+            </a:extLst>
+          </a:blip>
+          <a:stretch>
+            <a:fillRect/>
+          </a:stretch>
+        </p:blipFill>
+        <p:spPr>
+          <a:xfrm>
+            <a:off x="4132815" y="4113284"/>
+            <a:ext cx="3223951" cy="1555556"/>
+          </a:xfrm>
+          <a:prstGeom prst="rect">
+            <a:avLst/>
+          </a:prstGeom>
+          <a:effectLst/>
+        </p:spPr>
+      </p:pic>
+      <p:pic>
+        <p:nvPicPr>
+          <p:cNvPr id="5" name="Content Placeholder 4" descr="A graph of different colored bars&#10;&#10;Description automatically generated">
+            <a:extLst>
+              <a:ext uri="{FF2B5EF4-FFF2-40B4-BE49-F238E27FC236}">
+                <a16:creationId xmlns:a16="http://schemas.microsoft.com/office/drawing/2014/main" id="{C2D1FC3D-B39B-1B25-3E77-A580A0ADE5A1}"/>
+              </a:ext>
+            </a:extLst>
+          </p:cNvPr>
+          <p:cNvPicPr>
+            <a:picLocks noGrp="1" noChangeAspect="1"/>
+          </p:cNvPicPr>
+          <p:nvPr>
+            <p:ph idx="1"/>
+          </p:nvPr>
+        </p:nvPicPr>
+        <p:blipFill>
+          <a:blip r:embed="rId8">
+            <a:extLst>
+              <a:ext uri="{28A0092B-C50C-407E-A947-70E740481C1C}">
+                <a14:useLocalDpi xmlns:a14="http://schemas.microsoft.com/office/drawing/2010/main" val="0"/>
+              </a:ext>
+            </a:extLst>
+          </a:blip>
+          <a:stretch>
+            <a:fillRect/>
+          </a:stretch>
+        </p:blipFill>
+        <p:spPr>
+          <a:xfrm>
+            <a:off x="534215" y="1189160"/>
+            <a:ext cx="3381641" cy="1580917"/>
+          </a:xfrm>
+          <a:prstGeom prst="rect">
+            <a:avLst/>
+          </a:prstGeom>
+          <a:effectLst/>
+        </p:spPr>
+      </p:pic>
+      <p:sp>
+        <p:nvSpPr>
+          <p:cNvPr id="30" name="Freeform 31">
+            <a:extLst>
+              <a:ext uri="{FF2B5EF4-FFF2-40B4-BE49-F238E27FC236}">
+                <a16:creationId xmlns:a16="http://schemas.microsoft.com/office/drawing/2014/main" id="{61835C02-009F-45B9-81BA-49BD79D44CBF}"/>
+              </a:ext>
+              <a:ext uri="{C183D7F6-B498-43B3-948B-1728B52AA6E4}">
+                <adec:decorative xmlns:adec="http://schemas.microsoft.com/office/drawing/2017/decorative" val="1"/>
+              </a:ext>
+            </a:extLst>
+          </p:cNvPr>
+          <p:cNvSpPr>
+            <a:spLocks noGrp="1" noRot="1" noChangeAspect="1" noMove="1" noResize="1" noEditPoints="1" noAdjustHandles="1" noChangeArrowheads="1" noChangeShapeType="1" noTextEdit="1"/>
+          </p:cNvSpPr>
+          <p:nvPr>
+            <p:extLst>
+              <p:ext uri="{386F3935-93C4-4BCD-93E2-E3B085C9AB24}">
+                <p16:designElem xmlns:p16="http://schemas.microsoft.com/office/powerpoint/2015/main" val="1"/>
+              </p:ext>
+            </p:extLst>
+          </p:nvPr>
+        </p:nvSpPr>
+        <p:spPr>
+          <a:xfrm flipH="1">
+            <a:off x="7463681" y="-1"/>
+            <a:ext cx="559472" cy="3709642"/>
+          </a:xfrm>
+          <a:custGeom>
+            <a:avLst/>
+            <a:gdLst>
+              <a:gd name="connsiteX0" fmla="*/ 0 w 559472"/>
+              <a:gd name="connsiteY0" fmla="*/ 0 h 3709642"/>
+              <a:gd name="connsiteX1" fmla="*/ 473952 w 559472"/>
+              <a:gd name="connsiteY1" fmla="*/ 0 h 3709642"/>
+              <a:gd name="connsiteX2" fmla="*/ 485840 w 559472"/>
+              <a:gd name="connsiteY2" fmla="*/ 161194 h 3709642"/>
+              <a:gd name="connsiteX3" fmla="*/ 523949 w 559472"/>
+              <a:gd name="connsiteY3" fmla="*/ 3672197 h 3709642"/>
+              <a:gd name="connsiteX4" fmla="*/ 454748 w 559472"/>
+              <a:gd name="connsiteY4" fmla="*/ 3709642 h 3709642"/>
+              <a:gd name="connsiteX5" fmla="*/ 448224 w 559472"/>
+              <a:gd name="connsiteY5" fmla="*/ 3510471 h 3709642"/>
+              <a:gd name="connsiteX6" fmla="*/ 443564 w 559472"/>
+              <a:gd name="connsiteY6" fmla="*/ 3408563 h 3709642"/>
+              <a:gd name="connsiteX7" fmla="*/ 438902 w 559472"/>
+              <a:gd name="connsiteY7" fmla="*/ 3304407 h 3709642"/>
+              <a:gd name="connsiteX8" fmla="*/ 433941 w 559472"/>
+              <a:gd name="connsiteY8" fmla="*/ 3198777 h 3709642"/>
+              <a:gd name="connsiteX9" fmla="*/ 427584 w 559472"/>
+              <a:gd name="connsiteY9" fmla="*/ 3092510 h 3709642"/>
+              <a:gd name="connsiteX10" fmla="*/ 420988 w 559472"/>
+              <a:gd name="connsiteY10" fmla="*/ 2984390 h 3709642"/>
+              <a:gd name="connsiteX11" fmla="*/ 414330 w 559472"/>
+              <a:gd name="connsiteY11" fmla="*/ 2874401 h 3709642"/>
+              <a:gd name="connsiteX12" fmla="*/ 406840 w 559472"/>
+              <a:gd name="connsiteY12" fmla="*/ 2762980 h 3709642"/>
+              <a:gd name="connsiteX13" fmla="*/ 397745 w 559472"/>
+              <a:gd name="connsiteY13" fmla="*/ 2650566 h 3709642"/>
+              <a:gd name="connsiteX14" fmla="*/ 389154 w 559472"/>
+              <a:gd name="connsiteY14" fmla="*/ 2536612 h 3709642"/>
+              <a:gd name="connsiteX15" fmla="*/ 379225 w 559472"/>
+              <a:gd name="connsiteY15" fmla="*/ 2421642 h 3709642"/>
+              <a:gd name="connsiteX16" fmla="*/ 368316 w 559472"/>
+              <a:gd name="connsiteY16" fmla="*/ 2305627 h 3709642"/>
+              <a:gd name="connsiteX17" fmla="*/ 357466 w 559472"/>
+              <a:gd name="connsiteY17" fmla="*/ 2189233 h 3709642"/>
+              <a:gd name="connsiteX18" fmla="*/ 344982 w 559472"/>
+              <a:gd name="connsiteY18" fmla="*/ 2071473 h 3709642"/>
+              <a:gd name="connsiteX19" fmla="*/ 332466 w 559472"/>
+              <a:gd name="connsiteY19" fmla="*/ 1952216 h 3709642"/>
+              <a:gd name="connsiteX20" fmla="*/ 319121 w 559472"/>
+              <a:gd name="connsiteY20" fmla="*/ 1833776 h 3709642"/>
+              <a:gd name="connsiteX21" fmla="*/ 304408 w 559472"/>
+              <a:gd name="connsiteY21" fmla="*/ 1713948 h 3709642"/>
+              <a:gd name="connsiteX22" fmla="*/ 288685 w 559472"/>
+              <a:gd name="connsiteY22" fmla="*/ 1592703 h 3709642"/>
+              <a:gd name="connsiteX23" fmla="*/ 273050 w 559472"/>
+              <a:gd name="connsiteY23" fmla="*/ 1471451 h 3709642"/>
+              <a:gd name="connsiteX24" fmla="*/ 255813 w 559472"/>
+              <a:gd name="connsiteY24" fmla="*/ 1350328 h 3709642"/>
+              <a:gd name="connsiteX25" fmla="*/ 237060 w 559472"/>
+              <a:gd name="connsiteY25" fmla="*/ 1227080 h 3709642"/>
+              <a:gd name="connsiteX26" fmla="*/ 218488 w 559472"/>
+              <a:gd name="connsiteY26" fmla="*/ 1106065 h 3709642"/>
+              <a:gd name="connsiteX27" fmla="*/ 198221 w 559472"/>
+              <a:gd name="connsiteY27" fmla="*/ 982940 h 3709642"/>
+              <a:gd name="connsiteX28" fmla="*/ 177152 w 559472"/>
+              <a:gd name="connsiteY28" fmla="*/ 858755 h 3709642"/>
+              <a:gd name="connsiteX29" fmla="*/ 155551 w 559472"/>
+              <a:gd name="connsiteY29" fmla="*/ 736861 h 3709642"/>
+              <a:gd name="connsiteX30" fmla="*/ 131782 w 559472"/>
+              <a:gd name="connsiteY30" fmla="*/ 613645 h 3709642"/>
+              <a:gd name="connsiteX31" fmla="*/ 107123 w 559472"/>
+              <a:gd name="connsiteY31" fmla="*/ 490500 h 3709642"/>
+              <a:gd name="connsiteX32" fmla="*/ 82552 w 559472"/>
+              <a:gd name="connsiteY32" fmla="*/ 367348 h 3709642"/>
+              <a:gd name="connsiteX33" fmla="*/ 55608 w 559472"/>
+              <a:gd name="connsiteY33" fmla="*/ 244762 h 3709642"/>
+              <a:gd name="connsiteX34" fmla="*/ 28130 w 559472"/>
+              <a:gd name="connsiteY34" fmla="*/ 122220 h 3709642"/>
+              <a:gd name="connsiteX35" fmla="*/ 0 w 559472"/>
+              <a:gd name="connsiteY35" fmla="*/ 0 h 3709642"/>
+            </a:gdLst>
+            <a:ahLst/>
+            <a:cxnLst>
+              <a:cxn ang="0">
+                <a:pos x="connsiteX0" y="connsiteY0"/>
+              </a:cxn>
+              <a:cxn ang="0">
+                <a:pos x="connsiteX1" y="connsiteY1"/>
+              </a:cxn>
+              <a:cxn ang="0">
+                <a:pos x="connsiteX2" y="connsiteY2"/>
+              </a:cxn>
+              <a:cxn ang="0">
+                <a:pos x="connsiteX3" y="connsiteY3"/>
+              </a:cxn>
+              <a:cxn ang="0">
+                <a:pos x="connsiteX4" y="connsiteY4"/>
+              </a:cxn>
+              <a:cxn ang="0">
+                <a:pos x="connsiteX5" y="connsiteY5"/>
+              </a:cxn>
+              <a:cxn ang="0">
+                <a:pos x="connsiteX6" y="connsiteY6"/>
+              </a:cxn>
+              <a:cxn ang="0">
+                <a:pos x="connsiteX7" y="connsiteY7"/>
+              </a:cxn>
+              <a:cxn ang="0">
+                <a:pos x="connsiteX8" y="connsiteY8"/>
+              </a:cxn>
+              <a:cxn ang="0">
+                <a:pos x="connsiteX9" y="connsiteY9"/>
+              </a:cxn>
+              <a:cxn ang="0">
+                <a:pos x="connsiteX10" y="connsiteY10"/>
+              </a:cxn>
+              <a:cxn ang="0">
+                <a:pos x="connsiteX11" y="connsiteY11"/>
+              </a:cxn>
+              <a:cxn ang="0">
+                <a:pos x="connsiteX12" y="connsiteY12"/>
+              </a:cxn>
+              <a:cxn ang="0">
+                <a:pos x="connsiteX13" y="connsiteY13"/>
+              </a:cxn>
+              <a:cxn ang="0">
+                <a:pos x="connsiteX14" y="connsiteY14"/>
+              </a:cxn>
+              <a:cxn ang="0">
+                <a:pos x="connsiteX15" y="connsiteY15"/>
+              </a:cxn>
+              <a:cxn ang="0">
+                <a:pos x="connsiteX16" y="connsiteY16"/>
+              </a:cxn>
+              <a:cxn ang="0">
+                <a:pos x="connsiteX17" y="connsiteY17"/>
+              </a:cxn>
+              <a:cxn ang="0">
+                <a:pos x="connsiteX18" y="connsiteY18"/>
+              </a:cxn>
+              <a:cxn ang="0">
+                <a:pos x="connsiteX19" y="connsiteY19"/>
+              </a:cxn>
+              <a:cxn ang="0">
+                <a:pos x="connsiteX20" y="connsiteY20"/>
+              </a:cxn>
+              <a:cxn ang="0">
+                <a:pos x="connsiteX21" y="connsiteY21"/>
+              </a:cxn>
+              <a:cxn ang="0">
+                <a:pos x="connsiteX22" y="connsiteY22"/>
+              </a:cxn>
+              <a:cxn ang="0">
+                <a:pos x="connsiteX23" y="connsiteY23"/>
+              </a:cxn>
+              <a:cxn ang="0">
+                <a:pos x="connsiteX24" y="connsiteY24"/>
+              </a:cxn>
+              <a:cxn ang="0">
+                <a:pos x="connsiteX25" y="connsiteY25"/>
+              </a:cxn>
+              <a:cxn ang="0">
+                <a:pos x="connsiteX26" y="connsiteY26"/>
+              </a:cxn>
+              <a:cxn ang="0">
+                <a:pos x="connsiteX27" y="connsiteY27"/>
+              </a:cxn>
+              <a:cxn ang="0">
+                <a:pos x="connsiteX28" y="connsiteY28"/>
+              </a:cxn>
+              <a:cxn ang="0">
+                <a:pos x="connsiteX29" y="connsiteY29"/>
+              </a:cxn>
+              <a:cxn ang="0">
+                <a:pos x="connsiteX30" y="connsiteY30"/>
+              </a:cxn>
+              <a:cxn ang="0">
+                <a:pos x="connsiteX31" y="connsiteY31"/>
+              </a:cxn>
+              <a:cxn ang="0">
+                <a:pos x="connsiteX32" y="connsiteY32"/>
+              </a:cxn>
+              <a:cxn ang="0">
+                <a:pos x="connsiteX33" y="connsiteY33"/>
+              </a:cxn>
+              <a:cxn ang="0">
+                <a:pos x="connsiteX34" y="connsiteY34"/>
+              </a:cxn>
+              <a:cxn ang="0">
+                <a:pos x="connsiteX35" y="connsiteY35"/>
+              </a:cxn>
+            </a:cxnLst>
+            <a:rect l="l" t="t" r="r" b="b"/>
+            <a:pathLst>
+              <a:path w="559472" h="3709642">
+                <a:moveTo>
+                  <a:pt x="0" y="0"/>
+                </a:moveTo>
+                <a:lnTo>
+                  <a:pt x="473952" y="0"/>
+                </a:lnTo>
+                <a:lnTo>
+                  <a:pt x="485840" y="161194"/>
+                </a:lnTo>
+                <a:cubicBezTo>
+                  <a:pt x="552063" y="1147770"/>
+                  <a:pt x="592441" y="3086737"/>
+                  <a:pt x="523949" y="3672197"/>
+                </a:cubicBezTo>
+                <a:cubicBezTo>
+                  <a:pt x="500842" y="3684557"/>
+                  <a:pt x="477855" y="3697282"/>
+                  <a:pt x="454748" y="3709642"/>
+                </a:cubicBezTo>
+                <a:lnTo>
+                  <a:pt x="448224" y="3510471"/>
+                </a:lnTo>
+                <a:lnTo>
+                  <a:pt x="443564" y="3408563"/>
+                </a:lnTo>
+                <a:lnTo>
+                  <a:pt x="438902" y="3304407"/>
+                </a:lnTo>
+                <a:lnTo>
+                  <a:pt x="433941" y="3198777"/>
+                </a:lnTo>
+                <a:lnTo>
+                  <a:pt x="427584" y="3092510"/>
+                </a:lnTo>
+                <a:lnTo>
+                  <a:pt x="420988" y="2984390"/>
+                </a:lnTo>
+                <a:lnTo>
+                  <a:pt x="414330" y="2874401"/>
+                </a:lnTo>
+                <a:lnTo>
+                  <a:pt x="406840" y="2762980"/>
+                </a:lnTo>
+                <a:lnTo>
+                  <a:pt x="397745" y="2650566"/>
+                </a:lnTo>
+                <a:lnTo>
+                  <a:pt x="389154" y="2536612"/>
+                </a:lnTo>
+                <a:lnTo>
+                  <a:pt x="379225" y="2421642"/>
+                </a:lnTo>
+                <a:lnTo>
+                  <a:pt x="368316" y="2305627"/>
+                </a:lnTo>
+                <a:lnTo>
+                  <a:pt x="357466" y="2189233"/>
+                </a:lnTo>
+                <a:lnTo>
+                  <a:pt x="344982" y="2071473"/>
+                </a:lnTo>
+                <a:lnTo>
+                  <a:pt x="332466" y="1952216"/>
+                </a:lnTo>
+                <a:lnTo>
+                  <a:pt x="319121" y="1833776"/>
+                </a:lnTo>
+                <a:lnTo>
+                  <a:pt x="304408" y="1713948"/>
+                </a:lnTo>
+                <a:lnTo>
+                  <a:pt x="288685" y="1592703"/>
+                </a:lnTo>
+                <a:lnTo>
+                  <a:pt x="273050" y="1471451"/>
+                </a:lnTo>
+                <a:lnTo>
+                  <a:pt x="255813" y="1350328"/>
+                </a:lnTo>
+                <a:lnTo>
+                  <a:pt x="237060" y="1227080"/>
+                </a:lnTo>
+                <a:lnTo>
+                  <a:pt x="218488" y="1106065"/>
+                </a:lnTo>
+                <a:lnTo>
+                  <a:pt x="198221" y="982940"/>
+                </a:lnTo>
+                <a:lnTo>
+                  <a:pt x="177152" y="858755"/>
+                </a:lnTo>
+                <a:lnTo>
+                  <a:pt x="155551" y="736861"/>
+                </a:lnTo>
+                <a:lnTo>
+                  <a:pt x="131782" y="613645"/>
+                </a:lnTo>
+                <a:lnTo>
+                  <a:pt x="107123" y="490500"/>
+                </a:lnTo>
+                <a:lnTo>
+                  <a:pt x="82552" y="367348"/>
+                </a:lnTo>
+                <a:lnTo>
+                  <a:pt x="55608" y="244762"/>
+                </a:lnTo>
+                <a:lnTo>
+                  <a:pt x="28130" y="122220"/>
+                </a:lnTo>
+                <a:lnTo>
+                  <a:pt x="0" y="0"/>
+                </a:lnTo>
+                <a:close/>
+              </a:path>
+            </a:pathLst>
+          </a:custGeom>
+          <a:solidFill>
+            <a:schemeClr val="tx1">
+              <a:alpha val="20000"/>
+            </a:schemeClr>
+          </a:solidFill>
+          <a:ln>
+            <a:noFill/>
+          </a:ln>
+        </p:spPr>
+        <p:txBody>
+          <a:bodyPr rtlCol="0" anchor="ctr"/>
+          <a:lstStyle/>
+          <a:p>
+            <a:pPr algn="ctr"/>
+            <a:endParaRPr lang="en-US"/>
+          </a:p>
+        </p:txBody>
+      </p:sp>
+      <p:pic>
+        <p:nvPicPr>
+          <p:cNvPr id="9" name="Picture 8" descr="A graph of a bar chart&#10;&#10;Description automatically generated">
+            <a:extLst>
+              <a:ext uri="{FF2B5EF4-FFF2-40B4-BE49-F238E27FC236}">
+                <a16:creationId xmlns:a16="http://schemas.microsoft.com/office/drawing/2014/main" id="{0F3B61BC-120D-2F6E-97FA-48A442E53D91}"/>
+              </a:ext>
+            </a:extLst>
+          </p:cNvPr>
+          <p:cNvPicPr>
+            <a:picLocks noChangeAspect="1"/>
+          </p:cNvPicPr>
+          <p:nvPr/>
+        </p:nvPicPr>
+        <p:blipFill>
+          <a:blip r:embed="rId9">
+            <a:extLst>
+              <a:ext uri="{28A0092B-C50C-407E-A947-70E740481C1C}">
+                <a14:useLocalDpi xmlns:a14="http://schemas.microsoft.com/office/drawing/2010/main" val="0"/>
+              </a:ext>
+            </a:extLst>
+          </a:blip>
+          <a:stretch>
+            <a:fillRect/>
+          </a:stretch>
+        </p:blipFill>
+        <p:spPr>
+          <a:xfrm>
+            <a:off x="378640" y="4091198"/>
+            <a:ext cx="3381641" cy="1555555"/>
+          </a:xfrm>
+          <a:prstGeom prst="rect">
+            <a:avLst/>
+          </a:prstGeom>
+          <a:effectLst/>
+        </p:spPr>
+      </p:pic>
+      <p:pic>
+        <p:nvPicPr>
+          <p:cNvPr id="7" name="Picture 6" descr="A graph of different colored bars&#10;&#10;Description automatically generated">
+            <a:extLst>
+              <a:ext uri="{FF2B5EF4-FFF2-40B4-BE49-F238E27FC236}">
+                <a16:creationId xmlns:a16="http://schemas.microsoft.com/office/drawing/2014/main" id="{FEA18C79-B565-BB5B-63D6-01A2B1232D6C}"/>
+              </a:ext>
+            </a:extLst>
+          </p:cNvPr>
+          <p:cNvPicPr>
+            <a:picLocks noChangeAspect="1"/>
+          </p:cNvPicPr>
+          <p:nvPr/>
+        </p:nvPicPr>
+        <p:blipFill>
+          <a:blip r:embed="rId10">
+            <a:extLst>
+              <a:ext uri="{28A0092B-C50C-407E-A947-70E740481C1C}">
+                <a14:useLocalDpi xmlns:a14="http://schemas.microsoft.com/office/drawing/2010/main" val="0"/>
+              </a:ext>
+            </a:extLst>
+          </a:blip>
+          <a:stretch>
+            <a:fillRect/>
+          </a:stretch>
+        </p:blipFill>
+        <p:spPr>
+          <a:xfrm>
+            <a:off x="4163099" y="1189160"/>
+            <a:ext cx="3236123" cy="1480525"/>
+          </a:xfrm>
+          <a:prstGeom prst="rect">
+            <a:avLst/>
+          </a:prstGeom>
+          <a:effectLst/>
+        </p:spPr>
+      </p:pic>
+    </p:spTree>
+    <p:extLst>
+      <p:ext uri="{BB962C8B-B14F-4D97-AF65-F5344CB8AC3E}">
+        <p14:creationId xmlns:p14="http://schemas.microsoft.com/office/powerpoint/2010/main" val="423787410"/>
+      </p:ext>
+    </p:extLst>
+  </p:cSld>
+  <p:clrMapOvr>
+    <a:masterClrMapping/>
+  </p:clrMapOvr>
+</p:sld>
+</file>
+
 <file path=ppt/slides/slide2.xml><?xml version="1.0" encoding="utf-8"?>
 <p:sld xmlns:a="http://schemas.openxmlformats.org/drawingml/2006/main" xmlns:r="http://schemas.openxmlformats.org/officeDocument/2006/relationships" xmlns:p="http://schemas.openxmlformats.org/presentationml/2006/main">
   <p:cSld>
